--- a/presentation/20181017/FPGA LPM Component.pptx
+++ b/presentation/20181017/FPGA LPM Component.pptx
@@ -18,10 +18,14 @@
     <p:sldId id="265" r:id="rId12"/>
     <p:sldId id="266" r:id="rId13"/>
     <p:sldId id="267" r:id="rId14"/>
-    <p:sldId id="268" r:id="rId15"/>
-    <p:sldId id="269" r:id="rId16"/>
-    <p:sldId id="271" r:id="rId17"/>
-    <p:sldId id="270" r:id="rId18"/>
+    <p:sldId id="274" r:id="rId15"/>
+    <p:sldId id="268" r:id="rId16"/>
+    <p:sldId id="269" r:id="rId17"/>
+    <p:sldId id="273" r:id="rId18"/>
+    <p:sldId id="271" r:id="rId19"/>
+    <p:sldId id="270" r:id="rId20"/>
+    <p:sldId id="275" r:id="rId21"/>
+    <p:sldId id="276" r:id="rId22"/>
   </p:sldIdLst>
   <p:sldSz cx="9144000" cy="6858000" type="screen4x3"/>
   <p:notesSz cx="6858000" cy="9144000"/>
@@ -120,6 +124,22 @@
       </a:defRPr>
     </a:lvl9pPr>
   </p:defaultTextStyle>
+  <p:extLst>
+    <p:ext uri="{EFAFB233-063F-42B5-8137-9DF3F51BA10A}">
+      <p15:sldGuideLst xmlns:p15="http://schemas.microsoft.com/office/powerpoint/2012/main">
+        <p15:guide id="1" orient="horz" pos="2160">
+          <p15:clr>
+            <a:srgbClr val="A4A3A4"/>
+          </p15:clr>
+        </p15:guide>
+        <p15:guide id="2" pos="2880">
+          <p15:clr>
+            <a:srgbClr val="A4A3A4"/>
+          </p15:clr>
+        </p15:guide>
+      </p15:sldGuideLst>
+    </p:ext>
+  </p:extLst>
 </p:presentation>
 </file>
 
@@ -3503,6 +3523,10 @@
           </a:bodyPr>
           <a:lstStyle/>
           <a:p>
+            <a:pPr marL="342900" indent="-342900">
+              <a:buFont typeface="Wingdings" panose="05000000000000000000" pitchFamily="2" charset="2"/>
+              <a:buChar char="Ø"/>
+            </a:pPr>
             <a:r>
               <a:rPr lang="en-US" altLang="ko-KR" dirty="0" err="1" smtClean="0"/>
               <a:t>Lpm_counter</a:t>
@@ -3549,7 +3573,7 @@
         </p:nvSpPr>
         <p:spPr>
           <a:xfrm>
-            <a:off x="251520" y="280121"/>
+            <a:off x="271374" y="246198"/>
             <a:ext cx="3744416" cy="369332"/>
           </a:xfrm>
           <a:prstGeom prst="rect">
@@ -3568,18 +3592,18 @@
               <a:buChar char="Ø"/>
             </a:pPr>
             <a:r>
-              <a:rPr lang="ko-KR" altLang="en-US" dirty="0" err="1" smtClean="0">
+              <a:rPr lang="en-US" altLang="ko-KR" dirty="0" smtClean="0">
                 <a:latin typeface="Times New Roman" panose="02020603050405020304" pitchFamily="18" charset="0"/>
                 <a:cs typeface="Times New Roman" panose="02020603050405020304" pitchFamily="18" charset="0"/>
               </a:rPr>
-              <a:t>클럭분주</a:t>
-            </a:r>
-            <a:r>
-              <a:rPr lang="ko-KR" altLang="en-US" dirty="0" smtClean="0">
+              <a:t>Create </a:t>
+            </a:r>
+            <a:r>
+              <a:rPr lang="en-US" altLang="ko-KR" dirty="0">
                 <a:latin typeface="Times New Roman" panose="02020603050405020304" pitchFamily="18" charset="0"/>
                 <a:cs typeface="Times New Roman" panose="02020603050405020304" pitchFamily="18" charset="0"/>
               </a:rPr>
-              <a:t> 카운터 만들기</a:t>
+              <a:t>a clock divide counter</a:t>
             </a:r>
             <a:endParaRPr lang="en-US" altLang="ko-KR" dirty="0" smtClean="0">
               <a:latin typeface="Times New Roman" panose="02020603050405020304" pitchFamily="18" charset="0"/>
@@ -3596,8 +3620,8 @@
         </p:nvSpPr>
         <p:spPr>
           <a:xfrm>
-            <a:off x="695237" y="931318"/>
-            <a:ext cx="5760640" cy="369332"/>
+            <a:off x="695237" y="1131989"/>
+            <a:ext cx="6920011" cy="369332"/>
           </a:xfrm>
           <a:prstGeom prst="rect">
             <a:avLst/>
@@ -3611,25 +3635,11 @@
           <a:lstStyle/>
           <a:p>
             <a:r>
-              <a:rPr lang="en-US" altLang="ko-KR" dirty="0" smtClean="0">
+              <a:rPr lang="en-US" altLang="ko-KR" dirty="0">
                 <a:latin typeface="Times New Roman" panose="02020603050405020304" pitchFamily="18" charset="0"/>
                 <a:cs typeface="Times New Roman" panose="02020603050405020304" pitchFamily="18" charset="0"/>
               </a:rPr>
-              <a:t>50MHz</a:t>
-            </a:r>
-            <a:r>
-              <a:rPr lang="ko-KR" altLang="en-US" dirty="0" smtClean="0">
-                <a:latin typeface="Times New Roman" panose="02020603050405020304" pitchFamily="18" charset="0"/>
-                <a:cs typeface="Times New Roman" panose="02020603050405020304" pitchFamily="18" charset="0"/>
-              </a:rPr>
-              <a:t>의 내부 주파수를 분주하는 카운터가 필요하다</a:t>
-            </a:r>
-            <a:r>
-              <a:rPr lang="en-US" altLang="ko-KR" dirty="0" smtClean="0">
-                <a:latin typeface="Times New Roman" panose="02020603050405020304" pitchFamily="18" charset="0"/>
-                <a:cs typeface="Times New Roman" panose="02020603050405020304" pitchFamily="18" charset="0"/>
-              </a:rPr>
-              <a:t>.</a:t>
+              <a:t>A counter that divides the internal frequency of 50MHz is needed.</a:t>
             </a:r>
             <a:endParaRPr lang="ko-KR" altLang="en-US" dirty="0">
               <a:latin typeface="Times New Roman" panose="02020603050405020304" pitchFamily="18" charset="0"/>
@@ -3755,7 +3765,7 @@
         <p:spPr>
           <a:xfrm>
             <a:off x="271374" y="5240941"/>
-            <a:ext cx="8407587" cy="923330"/>
+            <a:ext cx="8407587" cy="1200329"/>
           </a:xfrm>
           <a:prstGeom prst="rect">
             <a:avLst/>
@@ -3767,217 +3777,27 @@
           </a:bodyPr>
           <a:lstStyle/>
           <a:p>
-            <a:r>
-              <a:rPr lang="en-US" altLang="ko-KR" dirty="0" smtClean="0">
+            <a:endParaRPr lang="en-US" altLang="ko-KR" dirty="0">
+              <a:latin typeface="Times New Roman" panose="02020603050405020304" pitchFamily="18" charset="0"/>
+              <a:cs typeface="Times New Roman" panose="02020603050405020304" pitchFamily="18" charset="0"/>
+            </a:endParaRPr>
+          </a:p>
+          <a:p>
+            <a:r>
+              <a:rPr lang="en-US" altLang="ko-KR" dirty="0">
                 <a:latin typeface="Times New Roman" panose="02020603050405020304" pitchFamily="18" charset="0"/>
                 <a:cs typeface="Times New Roman" panose="02020603050405020304" pitchFamily="18" charset="0"/>
               </a:rPr>
-              <a:t>50MHz -&gt; 1Hz</a:t>
-            </a:r>
-            <a:r>
-              <a:rPr lang="ko-KR" altLang="en-US" dirty="0" smtClean="0">
+              <a:t>The division ratio for switching from 50 MHz to 1 Hz is 50 million.</a:t>
+            </a:r>
+          </a:p>
+          <a:p>
+            <a:r>
+              <a:rPr lang="en-US" altLang="ko-KR" dirty="0">
                 <a:latin typeface="Times New Roman" panose="02020603050405020304" pitchFamily="18" charset="0"/>
                 <a:cs typeface="Times New Roman" panose="02020603050405020304" pitchFamily="18" charset="0"/>
               </a:rPr>
-              <a:t>로 바꾸기 위한 </a:t>
-            </a:r>
-            <a:r>
-              <a:rPr lang="ko-KR" altLang="en-US" dirty="0" err="1" smtClean="0">
-                <a:latin typeface="Times New Roman" panose="02020603050405020304" pitchFamily="18" charset="0"/>
-                <a:cs typeface="Times New Roman" panose="02020603050405020304" pitchFamily="18" charset="0"/>
-              </a:rPr>
-              <a:t>분주비는</a:t>
-            </a:r>
-            <a:r>
-              <a:rPr lang="ko-KR" altLang="en-US" dirty="0" smtClean="0">
-                <a:latin typeface="Times New Roman" panose="02020603050405020304" pitchFamily="18" charset="0"/>
-                <a:cs typeface="Times New Roman" panose="02020603050405020304" pitchFamily="18" charset="0"/>
-              </a:rPr>
-              <a:t> </a:t>
-            </a:r>
-            <a:r>
-              <a:rPr lang="en-US" altLang="ko-KR" dirty="0" smtClean="0">
-                <a:latin typeface="Times New Roman" panose="02020603050405020304" pitchFamily="18" charset="0"/>
-                <a:cs typeface="Times New Roman" panose="02020603050405020304" pitchFamily="18" charset="0"/>
-              </a:rPr>
-              <a:t>5</a:t>
-            </a:r>
-            <a:r>
-              <a:rPr lang="ko-KR" altLang="en-US" dirty="0" smtClean="0">
-                <a:latin typeface="Times New Roman" panose="02020603050405020304" pitchFamily="18" charset="0"/>
-                <a:cs typeface="Times New Roman" panose="02020603050405020304" pitchFamily="18" charset="0"/>
-              </a:rPr>
-              <a:t>천만이다</a:t>
-            </a:r>
-            <a:r>
-              <a:rPr lang="en-US" altLang="ko-KR" dirty="0" smtClean="0">
-                <a:latin typeface="Times New Roman" panose="02020603050405020304" pitchFamily="18" charset="0"/>
-                <a:cs typeface="Times New Roman" panose="02020603050405020304" pitchFamily="18" charset="0"/>
-              </a:rPr>
-              <a:t>.</a:t>
-            </a:r>
-          </a:p>
-          <a:p>
-            <a:r>
-              <a:rPr lang="ko-KR" altLang="en-US" dirty="0" smtClean="0">
-                <a:latin typeface="Times New Roman" panose="02020603050405020304" pitchFamily="18" charset="0"/>
-                <a:cs typeface="Times New Roman" panose="02020603050405020304" pitchFamily="18" charset="0"/>
-              </a:rPr>
-              <a:t>그래서 </a:t>
-            </a:r>
-            <a:r>
-              <a:rPr lang="ko-KR" altLang="en-US" dirty="0" err="1" smtClean="0">
-                <a:latin typeface="Times New Roman" panose="02020603050405020304" pitchFamily="18" charset="0"/>
-                <a:cs typeface="Times New Roman" panose="02020603050405020304" pitchFamily="18" charset="0"/>
-              </a:rPr>
-              <a:t>듀티비가</a:t>
-            </a:r>
-            <a:r>
-              <a:rPr lang="ko-KR" altLang="en-US" dirty="0" smtClean="0">
-                <a:latin typeface="Times New Roman" panose="02020603050405020304" pitchFamily="18" charset="0"/>
-                <a:cs typeface="Times New Roman" panose="02020603050405020304" pitchFamily="18" charset="0"/>
-              </a:rPr>
-              <a:t> </a:t>
-            </a:r>
-            <a:r>
-              <a:rPr lang="en-US" altLang="ko-KR" dirty="0" smtClean="0">
-                <a:latin typeface="Times New Roman" panose="02020603050405020304" pitchFamily="18" charset="0"/>
-                <a:cs typeface="Times New Roman" panose="02020603050405020304" pitchFamily="18" charset="0"/>
-              </a:rPr>
-              <a:t>50%</a:t>
-            </a:r>
-            <a:r>
-              <a:rPr lang="ko-KR" altLang="en-US" dirty="0" smtClean="0">
-                <a:latin typeface="Times New Roman" panose="02020603050405020304" pitchFamily="18" charset="0"/>
-                <a:cs typeface="Times New Roman" panose="02020603050405020304" pitchFamily="18" charset="0"/>
-              </a:rPr>
-              <a:t>인 </a:t>
-            </a:r>
-            <a:r>
-              <a:rPr lang="en-US" altLang="ko-KR" dirty="0" smtClean="0">
-                <a:latin typeface="Times New Roman" panose="02020603050405020304" pitchFamily="18" charset="0"/>
-                <a:cs typeface="Times New Roman" panose="02020603050405020304" pitchFamily="18" charset="0"/>
-              </a:rPr>
-              <a:t>1Hz </a:t>
-            </a:r>
-            <a:r>
-              <a:rPr lang="ko-KR" altLang="en-US" dirty="0" smtClean="0">
-                <a:latin typeface="Times New Roman" panose="02020603050405020304" pitchFamily="18" charset="0"/>
-                <a:cs typeface="Times New Roman" panose="02020603050405020304" pitchFamily="18" charset="0"/>
-              </a:rPr>
-              <a:t>파형을 얻으려면</a:t>
-            </a:r>
-            <a:r>
-              <a:rPr lang="en-US" altLang="ko-KR" dirty="0" smtClean="0">
-                <a:latin typeface="Times New Roman" panose="02020603050405020304" pitchFamily="18" charset="0"/>
-                <a:cs typeface="Times New Roman" panose="02020603050405020304" pitchFamily="18" charset="0"/>
-              </a:rPr>
-              <a:t>, 5</a:t>
-            </a:r>
-            <a:r>
-              <a:rPr lang="ko-KR" altLang="en-US" dirty="0" smtClean="0">
-                <a:latin typeface="Times New Roman" panose="02020603050405020304" pitchFamily="18" charset="0"/>
-                <a:cs typeface="Times New Roman" panose="02020603050405020304" pitchFamily="18" charset="0"/>
-              </a:rPr>
-              <a:t>천만</a:t>
-            </a:r>
-            <a:r>
-              <a:rPr lang="en-US" altLang="ko-KR" dirty="0" smtClean="0">
-                <a:latin typeface="Times New Roman" panose="02020603050405020304" pitchFamily="18" charset="0"/>
-                <a:cs typeface="Times New Roman" panose="02020603050405020304" pitchFamily="18" charset="0"/>
-              </a:rPr>
-              <a:t>/2 - 1 = 24,999,999 </a:t>
-            </a:r>
-            <a:r>
-              <a:rPr lang="ko-KR" altLang="en-US" dirty="0" smtClean="0">
-                <a:latin typeface="Times New Roman" panose="02020603050405020304" pitchFamily="18" charset="0"/>
-                <a:cs typeface="Times New Roman" panose="02020603050405020304" pitchFamily="18" charset="0"/>
-              </a:rPr>
-              <a:t>를 </a:t>
-            </a:r>
-            <a:r>
-              <a:rPr lang="ko-KR" altLang="en-US" dirty="0" err="1" smtClean="0">
-                <a:latin typeface="Times New Roman" panose="02020603050405020304" pitchFamily="18" charset="0"/>
-                <a:cs typeface="Times New Roman" panose="02020603050405020304" pitchFamily="18" charset="0"/>
-              </a:rPr>
-              <a:t>카운트값으로</a:t>
-            </a:r>
-            <a:r>
-              <a:rPr lang="ko-KR" altLang="en-US" dirty="0" smtClean="0">
-                <a:latin typeface="Times New Roman" panose="02020603050405020304" pitchFamily="18" charset="0"/>
-                <a:cs typeface="Times New Roman" panose="02020603050405020304" pitchFamily="18" charset="0"/>
-              </a:rPr>
-              <a:t> </a:t>
-            </a:r>
-            <a:r>
-              <a:rPr lang="ko-KR" altLang="en-US" dirty="0" err="1" smtClean="0">
-                <a:latin typeface="Times New Roman" panose="02020603050405020304" pitchFamily="18" charset="0"/>
-                <a:cs typeface="Times New Roman" panose="02020603050405020304" pitchFamily="18" charset="0"/>
-              </a:rPr>
-              <a:t>설정해야한다</a:t>
-            </a:r>
-            <a:r>
-              <a:rPr lang="en-US" altLang="ko-KR" dirty="0" smtClean="0">
-                <a:latin typeface="Times New Roman" panose="02020603050405020304" pitchFamily="18" charset="0"/>
-                <a:cs typeface="Times New Roman" panose="02020603050405020304" pitchFamily="18" charset="0"/>
-              </a:rPr>
-              <a:t>. </a:t>
-            </a:r>
-            <a:r>
-              <a:rPr lang="ko-KR" altLang="en-US" dirty="0" smtClean="0">
-                <a:latin typeface="Times New Roman" panose="02020603050405020304" pitchFamily="18" charset="0"/>
-                <a:cs typeface="Times New Roman" panose="02020603050405020304" pitchFamily="18" charset="0"/>
-              </a:rPr>
-              <a:t>이 카운트 값은 </a:t>
-            </a:r>
-            <a:r>
-              <a:rPr lang="en-US" altLang="ko-KR" dirty="0" smtClean="0">
-                <a:latin typeface="Times New Roman" panose="02020603050405020304" pitchFamily="18" charset="0"/>
-                <a:cs typeface="Times New Roman" panose="02020603050405020304" pitchFamily="18" charset="0"/>
-              </a:rPr>
-              <a:t>16</a:t>
-            </a:r>
-            <a:r>
-              <a:rPr lang="ko-KR" altLang="en-US" dirty="0" smtClean="0">
-                <a:latin typeface="Times New Roman" panose="02020603050405020304" pitchFamily="18" charset="0"/>
-                <a:cs typeface="Times New Roman" panose="02020603050405020304" pitchFamily="18" charset="0"/>
-              </a:rPr>
-              <a:t>진수로 </a:t>
-            </a:r>
-            <a:r>
-              <a:rPr lang="en-US" altLang="ko-KR" dirty="0" smtClean="0">
-                <a:latin typeface="Times New Roman" panose="02020603050405020304" pitchFamily="18" charset="0"/>
-                <a:cs typeface="Times New Roman" panose="02020603050405020304" pitchFamily="18" charset="0"/>
-              </a:rPr>
-              <a:t>0x17D 783F </a:t>
-            </a:r>
-            <a:r>
-              <a:rPr lang="ko-KR" altLang="en-US" dirty="0" smtClean="0">
-                <a:latin typeface="Times New Roman" panose="02020603050405020304" pitchFamily="18" charset="0"/>
-                <a:cs typeface="Times New Roman" panose="02020603050405020304" pitchFamily="18" charset="0"/>
-              </a:rPr>
-              <a:t>으로</a:t>
-            </a:r>
-            <a:r>
-              <a:rPr lang="en-US" altLang="ko-KR" dirty="0" smtClean="0">
-                <a:latin typeface="Times New Roman" panose="02020603050405020304" pitchFamily="18" charset="0"/>
-                <a:cs typeface="Times New Roman" panose="02020603050405020304" pitchFamily="18" charset="0"/>
-              </a:rPr>
-              <a:t>, 25</a:t>
-            </a:r>
-            <a:r>
-              <a:rPr lang="ko-KR" altLang="en-US" dirty="0" smtClean="0">
-                <a:latin typeface="Times New Roman" panose="02020603050405020304" pitchFamily="18" charset="0"/>
-                <a:cs typeface="Times New Roman" panose="02020603050405020304" pitchFamily="18" charset="0"/>
-              </a:rPr>
-              <a:t>비트다</a:t>
-            </a:r>
-            <a:r>
-              <a:rPr lang="en-US" altLang="ko-KR" dirty="0" smtClean="0">
-                <a:latin typeface="Times New Roman" panose="02020603050405020304" pitchFamily="18" charset="0"/>
-                <a:cs typeface="Times New Roman" panose="02020603050405020304" pitchFamily="18" charset="0"/>
-              </a:rPr>
-              <a:t>.</a:t>
+              <a:t>So to get a 1Hz waveform with a duty ratio of 50%, set the count value to 50,000 / 2 - 1 = 24,999,999. This count value is 0x17D 783F in hexadecimal, and is 25 bits.</a:t>
             </a:r>
             <a:endParaRPr lang="ko-KR" altLang="en-US" dirty="0">
               <a:latin typeface="Times New Roman" panose="02020603050405020304" pitchFamily="18" charset="0"/>
@@ -4132,7 +3952,7 @@
         </p:nvSpPr>
         <p:spPr>
           <a:xfrm>
-            <a:off x="323528" y="404664"/>
+            <a:off x="323528" y="260648"/>
             <a:ext cx="2736304" cy="369332"/>
           </a:xfrm>
           <a:prstGeom prst="rect">
@@ -4192,6 +4012,283 @@
 </file>
 
 <file path=ppt/slides/slide14.xml><?xml version="1.0" encoding="utf-8"?>
+<p:sld xmlns:a="http://schemas.openxmlformats.org/drawingml/2006/main" xmlns:r="http://schemas.openxmlformats.org/officeDocument/2006/relationships" xmlns:p="http://schemas.openxmlformats.org/presentationml/2006/main">
+  <p:cSld>
+    <p:spTree>
+      <p:nvGrpSpPr>
+        <p:cNvPr id="1" name=""/>
+        <p:cNvGrpSpPr/>
+        <p:nvPr/>
+      </p:nvGrpSpPr>
+      <p:grpSpPr>
+        <a:xfrm>
+          <a:off x="0" y="0"/>
+          <a:ext cx="0" cy="0"/>
+          <a:chOff x="0" y="0"/>
+          <a:chExt cx="0" cy="0"/>
+        </a:xfrm>
+      </p:grpSpPr>
+      <p:pic>
+        <p:nvPicPr>
+          <p:cNvPr id="2" name="그림 1"/>
+          <p:cNvPicPr>
+            <a:picLocks noChangeAspect="1"/>
+          </p:cNvPicPr>
+          <p:nvPr/>
+        </p:nvPicPr>
+        <p:blipFill>
+          <a:blip r:embed="rId2" cstate="print">
+            <a:extLst>
+              <a:ext uri="{28A0092B-C50C-407E-A947-70E740481C1C}">
+                <a14:useLocalDpi xmlns:a14="http://schemas.microsoft.com/office/drawing/2010/main" val="0"/>
+              </a:ext>
+            </a:extLst>
+          </a:blip>
+          <a:stretch>
+            <a:fillRect/>
+          </a:stretch>
+        </p:blipFill>
+        <p:spPr>
+          <a:xfrm>
+            <a:off x="395536" y="1268760"/>
+            <a:ext cx="3909053" cy="2931790"/>
+          </a:xfrm>
+          <a:prstGeom prst="rect">
+            <a:avLst/>
+          </a:prstGeom>
+        </p:spPr>
+      </p:pic>
+      <p:pic>
+        <p:nvPicPr>
+          <p:cNvPr id="3" name="그림 2"/>
+          <p:cNvPicPr>
+            <a:picLocks noChangeAspect="1"/>
+          </p:cNvPicPr>
+          <p:nvPr/>
+        </p:nvPicPr>
+        <p:blipFill>
+          <a:blip r:embed="rId3" cstate="print">
+            <a:extLst>
+              <a:ext uri="{28A0092B-C50C-407E-A947-70E740481C1C}">
+                <a14:useLocalDpi xmlns:a14="http://schemas.microsoft.com/office/drawing/2010/main" val="0"/>
+              </a:ext>
+            </a:extLst>
+          </a:blip>
+          <a:stretch>
+            <a:fillRect/>
+          </a:stretch>
+        </p:blipFill>
+        <p:spPr>
+          <a:xfrm>
+            <a:off x="3995936" y="2924944"/>
+            <a:ext cx="4773149" cy="3579862"/>
+          </a:xfrm>
+          <a:prstGeom prst="rect">
+            <a:avLst/>
+          </a:prstGeom>
+        </p:spPr>
+      </p:pic>
+      <p:cxnSp>
+        <p:nvCxnSpPr>
+          <p:cNvPr id="5" name="구부러진 연결선 4"/>
+          <p:cNvCxnSpPr>
+            <a:endCxn id="3" idx="0"/>
+          </p:cNvCxnSpPr>
+          <p:nvPr/>
+        </p:nvCxnSpPr>
+        <p:spPr>
+          <a:xfrm>
+            <a:off x="2771800" y="2348880"/>
+            <a:ext cx="3610711" cy="576064"/>
+          </a:xfrm>
+          <a:prstGeom prst="curvedConnector2">
+            <a:avLst/>
+          </a:prstGeom>
+          <a:ln w="38100">
+            <a:solidFill>
+              <a:srgbClr val="FF0000"/>
+            </a:solidFill>
+            <a:tailEnd type="triangle"/>
+          </a:ln>
+        </p:spPr>
+        <p:style>
+          <a:lnRef idx="1">
+            <a:schemeClr val="accent1"/>
+          </a:lnRef>
+          <a:fillRef idx="0">
+            <a:schemeClr val="accent1"/>
+          </a:fillRef>
+          <a:effectRef idx="0">
+            <a:schemeClr val="accent1"/>
+          </a:effectRef>
+          <a:fontRef idx="minor">
+            <a:schemeClr val="tx1"/>
+          </a:fontRef>
+        </p:style>
+      </p:cxnSp>
+      <p:sp>
+        <p:nvSpPr>
+          <p:cNvPr id="7" name="폭발 2 6"/>
+          <p:cNvSpPr/>
+          <p:nvPr/>
+        </p:nvSpPr>
+        <p:spPr>
+          <a:xfrm>
+            <a:off x="5672740" y="2734655"/>
+            <a:ext cx="2571668" cy="1563638"/>
+          </a:xfrm>
+          <a:prstGeom prst="irregularSeal2">
+            <a:avLst/>
+          </a:prstGeom>
+          <a:solidFill>
+            <a:srgbClr val="FFFF00"/>
+          </a:solidFill>
+        </p:spPr>
+        <p:style>
+          <a:lnRef idx="2">
+            <a:schemeClr val="accent1">
+              <a:shade val="50000"/>
+            </a:schemeClr>
+          </a:lnRef>
+          <a:fillRef idx="1">
+            <a:schemeClr val="accent1"/>
+          </a:fillRef>
+          <a:effectRef idx="0">
+            <a:schemeClr val="accent1"/>
+          </a:effectRef>
+          <a:fontRef idx="minor">
+            <a:schemeClr val="lt1"/>
+          </a:fontRef>
+        </p:style>
+        <p:txBody>
+          <a:bodyPr rtlCol="0" anchor="ctr"/>
+          <a:lstStyle/>
+          <a:p>
+            <a:pPr algn="ctr"/>
+            <a:r>
+              <a:rPr lang="en-US" altLang="ko-KR" dirty="0" smtClean="0">
+                <a:solidFill>
+                  <a:schemeClr val="tx1"/>
+                </a:solidFill>
+              </a:rPr>
+              <a:t>1second</a:t>
+            </a:r>
+            <a:endParaRPr lang="ko-KR" altLang="en-US" dirty="0">
+              <a:solidFill>
+                <a:schemeClr val="tx1"/>
+              </a:solidFill>
+            </a:endParaRPr>
+          </a:p>
+        </p:txBody>
+      </p:sp>
+      <p:cxnSp>
+        <p:nvCxnSpPr>
+          <p:cNvPr id="9" name="구부러진 연결선 8"/>
+          <p:cNvCxnSpPr>
+            <a:stCxn id="7" idx="3"/>
+          </p:cNvCxnSpPr>
+          <p:nvPr/>
+        </p:nvCxnSpPr>
+        <p:spPr>
+          <a:xfrm flipH="1" flipV="1">
+            <a:off x="2771800" y="2060848"/>
+            <a:ext cx="5472608" cy="1154843"/>
+          </a:xfrm>
+          <a:prstGeom prst="curvedConnector3">
+            <a:avLst>
+              <a:gd name="adj1" fmla="val -4177"/>
+            </a:avLst>
+          </a:prstGeom>
+          <a:ln>
+            <a:solidFill>
+              <a:srgbClr val="FF0000"/>
+            </a:solidFill>
+            <a:tailEnd type="triangle"/>
+          </a:ln>
+        </p:spPr>
+        <p:style>
+          <a:lnRef idx="1">
+            <a:schemeClr val="accent1"/>
+          </a:lnRef>
+          <a:fillRef idx="0">
+            <a:schemeClr val="accent1"/>
+          </a:fillRef>
+          <a:effectRef idx="0">
+            <a:schemeClr val="accent1"/>
+          </a:effectRef>
+          <a:fontRef idx="minor">
+            <a:schemeClr val="tx1"/>
+          </a:fontRef>
+        </p:style>
+      </p:cxnSp>
+      <p:sp>
+        <p:nvSpPr>
+          <p:cNvPr id="10" name="TextBox 9"/>
+          <p:cNvSpPr txBox="1"/>
+          <p:nvPr/>
+        </p:nvSpPr>
+        <p:spPr>
+          <a:xfrm>
+            <a:off x="271374" y="246198"/>
+            <a:ext cx="4876690" cy="369332"/>
+          </a:xfrm>
+          <a:prstGeom prst="rect">
+            <a:avLst/>
+          </a:prstGeom>
+          <a:noFill/>
+        </p:spPr>
+        <p:txBody>
+          <a:bodyPr wrap="square" rtlCol="0">
+            <a:spAutoFit/>
+          </a:bodyPr>
+          <a:lstStyle/>
+          <a:p>
+            <a:pPr marL="285750" indent="-285750">
+              <a:buFont typeface="Wingdings" panose="05000000000000000000" pitchFamily="2" charset="2"/>
+              <a:buChar char="Ø"/>
+            </a:pPr>
+            <a:r>
+              <a:rPr lang="en-US" altLang="ko-KR" dirty="0" smtClean="0">
+                <a:latin typeface="Times New Roman" panose="02020603050405020304" pitchFamily="18" charset="0"/>
+                <a:cs typeface="Times New Roman" panose="02020603050405020304" pitchFamily="18" charset="0"/>
+              </a:rPr>
+              <a:t>Result of </a:t>
+            </a:r>
+            <a:r>
+              <a:rPr lang="en-US" altLang="ko-KR" dirty="0">
+                <a:latin typeface="Times New Roman" panose="02020603050405020304" pitchFamily="18" charset="0"/>
+                <a:cs typeface="Times New Roman" panose="02020603050405020304" pitchFamily="18" charset="0"/>
+              </a:rPr>
+              <a:t>a clock divide </a:t>
+            </a:r>
+            <a:r>
+              <a:rPr lang="en-US" altLang="ko-KR" dirty="0" smtClean="0">
+                <a:latin typeface="Times New Roman" panose="02020603050405020304" pitchFamily="18" charset="0"/>
+                <a:cs typeface="Times New Roman" panose="02020603050405020304" pitchFamily="18" charset="0"/>
+              </a:rPr>
+              <a:t>counter</a:t>
+            </a:r>
+            <a:endParaRPr lang="en-US" altLang="ko-KR" dirty="0" smtClean="0">
+              <a:latin typeface="Times New Roman" panose="02020603050405020304" pitchFamily="18" charset="0"/>
+              <a:cs typeface="Times New Roman" panose="02020603050405020304" pitchFamily="18" charset="0"/>
+            </a:endParaRPr>
+          </a:p>
+        </p:txBody>
+      </p:sp>
+    </p:spTree>
+    <p:extLst>
+      <p:ext uri="{BB962C8B-B14F-4D97-AF65-F5344CB8AC3E}">
+        <p14:creationId xmlns:p14="http://schemas.microsoft.com/office/powerpoint/2010/main" val="593318421"/>
+      </p:ext>
+    </p:extLst>
+  </p:cSld>
+  <p:clrMapOvr>
+    <a:masterClrMapping/>
+  </p:clrMapOvr>
+</p:sld>
+</file>
+
+<file path=ppt/slides/slide15.xml><?xml version="1.0" encoding="utf-8"?>
 <p:sld xmlns:a="http://schemas.openxmlformats.org/drawingml/2006/main" xmlns:r="http://schemas.openxmlformats.org/officeDocument/2006/relationships" xmlns:p="http://schemas.openxmlformats.org/presentationml/2006/main">
   <p:cSld>
     <p:spTree>
@@ -4266,7 +4363,7 @@
         <p:spPr>
           <a:xfrm>
             <a:off x="251520" y="280121"/>
-            <a:ext cx="3744416" cy="369332"/>
+            <a:ext cx="3744416" cy="646331"/>
           </a:xfrm>
           <a:prstGeom prst="rect">
             <a:avLst/>
@@ -4284,25 +4381,11 @@
               <a:buChar char="Ø"/>
             </a:pPr>
             <a:r>
-              <a:rPr lang="ko-KR" altLang="en-US" b="1" dirty="0" smtClean="0">
+              <a:rPr lang="en-US" altLang="ko-KR" b="1" dirty="0">
                 <a:latin typeface="Times New Roman" panose="02020603050405020304" pitchFamily="18" charset="0"/>
                 <a:cs typeface="Times New Roman" panose="02020603050405020304" pitchFamily="18" charset="0"/>
               </a:rPr>
-              <a:t>스톱워치 </a:t>
-            </a:r>
-            <a:r>
-              <a:rPr lang="en-US" altLang="ko-KR" b="1" dirty="0" smtClean="0">
-                <a:latin typeface="Times New Roman" panose="02020603050405020304" pitchFamily="18" charset="0"/>
-                <a:cs typeface="Times New Roman" panose="02020603050405020304" pitchFamily="18" charset="0"/>
-              </a:rPr>
-              <a:t>1</a:t>
-            </a:r>
-            <a:r>
-              <a:rPr lang="ko-KR" altLang="en-US" b="1" dirty="0" smtClean="0">
-                <a:latin typeface="Times New Roman" panose="02020603050405020304" pitchFamily="18" charset="0"/>
-                <a:cs typeface="Times New Roman" panose="02020603050405020304" pitchFamily="18" charset="0"/>
-              </a:rPr>
-              <a:t>차 블록 회로도</a:t>
+              <a:t>Stopwatch primary block schematic</a:t>
             </a:r>
             <a:endParaRPr lang="en-US" altLang="ko-KR" b="1" dirty="0" smtClean="0">
               <a:latin typeface="Times New Roman" panose="02020603050405020304" pitchFamily="18" charset="0"/>
@@ -4405,7 +4488,7 @@
 </p:sld>
 </file>
 
-<file path=ppt/slides/slide15.xml><?xml version="1.0" encoding="utf-8"?>
+<file path=ppt/slides/slide16.xml><?xml version="1.0" encoding="utf-8"?>
 <p:sld xmlns:a="http://schemas.openxmlformats.org/drawingml/2006/main" xmlns:r="http://schemas.openxmlformats.org/officeDocument/2006/relationships" xmlns:p="http://schemas.openxmlformats.org/presentationml/2006/main">
   <p:cSld>
     <p:spTree>
@@ -4537,7 +4620,7 @@
         <p:spPr>
           <a:xfrm>
             <a:off x="446257" y="304910"/>
-            <a:ext cx="5832648" cy="369332"/>
+            <a:ext cx="5832648" cy="646331"/>
           </a:xfrm>
           <a:prstGeom prst="rect">
             <a:avLst/>
@@ -4555,10 +4638,10 @@
               <a:buChar char="Ø"/>
             </a:pPr>
             <a:r>
-              <a:rPr lang="ko-KR" altLang="en-US" smtClean="0"/>
-              <a:t>세그먼트 조작을 위한 세그먼트 컨트롤러 블록 제작</a:t>
-            </a:r>
-            <a:endParaRPr lang="ko-KR" altLang="en-US"/>
+              <a:rPr lang="en-US" altLang="ko-KR" dirty="0"/>
+              <a:t>Segment controller block production for segment manipulation</a:t>
+            </a:r>
+            <a:endParaRPr lang="ko-KR" altLang="en-US" dirty="0"/>
           </a:p>
         </p:txBody>
       </p:sp>
@@ -4575,7 +4658,204 @@
 </p:sld>
 </file>
 
-<file path=ppt/slides/slide16.xml><?xml version="1.0" encoding="utf-8"?>
+<file path=ppt/slides/slide17.xml><?xml version="1.0" encoding="utf-8"?>
+<p:sld xmlns:a="http://schemas.openxmlformats.org/drawingml/2006/main" xmlns:r="http://schemas.openxmlformats.org/officeDocument/2006/relationships" xmlns:p="http://schemas.openxmlformats.org/presentationml/2006/main">
+  <p:cSld>
+    <p:spTree>
+      <p:nvGrpSpPr>
+        <p:cNvPr id="1" name=""/>
+        <p:cNvGrpSpPr/>
+        <p:nvPr/>
+      </p:nvGrpSpPr>
+      <p:grpSpPr>
+        <a:xfrm>
+          <a:off x="0" y="0"/>
+          <a:ext cx="0" cy="0"/>
+          <a:chOff x="0" y="0"/>
+          <a:chExt cx="0" cy="0"/>
+        </a:xfrm>
+      </p:grpSpPr>
+      <p:pic>
+        <p:nvPicPr>
+          <p:cNvPr id="2" name="그림 1"/>
+          <p:cNvPicPr>
+            <a:picLocks noChangeAspect="1"/>
+          </p:cNvPicPr>
+          <p:nvPr/>
+        </p:nvPicPr>
+        <p:blipFill>
+          <a:blip r:embed="rId2" cstate="print">
+            <a:extLst>
+              <a:ext uri="{28A0092B-C50C-407E-A947-70E740481C1C}">
+                <a14:useLocalDpi xmlns:a14="http://schemas.microsoft.com/office/drawing/2010/main" val="0"/>
+              </a:ext>
+            </a:extLst>
+          </a:blip>
+          <a:stretch>
+            <a:fillRect/>
+          </a:stretch>
+        </p:blipFill>
+        <p:spPr>
+          <a:xfrm>
+            <a:off x="4860032" y="784879"/>
+            <a:ext cx="3600000" cy="2700000"/>
+          </a:xfrm>
+          <a:prstGeom prst="rect">
+            <a:avLst/>
+          </a:prstGeom>
+        </p:spPr>
+      </p:pic>
+      <p:pic>
+        <p:nvPicPr>
+          <p:cNvPr id="3" name="그림 2"/>
+          <p:cNvPicPr>
+            <a:picLocks noChangeAspect="1"/>
+          </p:cNvPicPr>
+          <p:nvPr/>
+        </p:nvPicPr>
+        <p:blipFill>
+          <a:blip r:embed="rId3" cstate="print">
+            <a:extLst>
+              <a:ext uri="{28A0092B-C50C-407E-A947-70E740481C1C}">
+                <a14:useLocalDpi xmlns:a14="http://schemas.microsoft.com/office/drawing/2010/main" val="0"/>
+              </a:ext>
+            </a:extLst>
+          </a:blip>
+          <a:stretch>
+            <a:fillRect/>
+          </a:stretch>
+        </p:blipFill>
+        <p:spPr>
+          <a:xfrm>
+            <a:off x="1011234" y="784879"/>
+            <a:ext cx="3600000" cy="2700000"/>
+          </a:xfrm>
+          <a:prstGeom prst="rect">
+            <a:avLst/>
+          </a:prstGeom>
+        </p:spPr>
+      </p:pic>
+      <p:pic>
+        <p:nvPicPr>
+          <p:cNvPr id="4" name="그림 3"/>
+          <p:cNvPicPr>
+            <a:picLocks noChangeAspect="1"/>
+          </p:cNvPicPr>
+          <p:nvPr/>
+        </p:nvPicPr>
+        <p:blipFill>
+          <a:blip r:embed="rId4" cstate="print">
+            <a:extLst>
+              <a:ext uri="{28A0092B-C50C-407E-A947-70E740481C1C}">
+                <a14:useLocalDpi xmlns:a14="http://schemas.microsoft.com/office/drawing/2010/main" val="0"/>
+              </a:ext>
+            </a:extLst>
+          </a:blip>
+          <a:stretch>
+            <a:fillRect/>
+          </a:stretch>
+        </p:blipFill>
+        <p:spPr>
+          <a:xfrm>
+            <a:off x="1011234" y="3645024"/>
+            <a:ext cx="3600000" cy="2700000"/>
+          </a:xfrm>
+          <a:prstGeom prst="rect">
+            <a:avLst/>
+          </a:prstGeom>
+        </p:spPr>
+      </p:pic>
+      <p:pic>
+        <p:nvPicPr>
+          <p:cNvPr id="5" name="그림 4"/>
+          <p:cNvPicPr>
+            <a:picLocks noChangeAspect="1"/>
+          </p:cNvPicPr>
+          <p:nvPr/>
+        </p:nvPicPr>
+        <p:blipFill>
+          <a:blip r:embed="rId5" cstate="print">
+            <a:extLst>
+              <a:ext uri="{28A0092B-C50C-407E-A947-70E740481C1C}">
+                <a14:useLocalDpi xmlns:a14="http://schemas.microsoft.com/office/drawing/2010/main" val="0"/>
+              </a:ext>
+            </a:extLst>
+          </a:blip>
+          <a:stretch>
+            <a:fillRect/>
+          </a:stretch>
+        </p:blipFill>
+        <p:spPr>
+          <a:xfrm>
+            <a:off x="4860032" y="3645024"/>
+            <a:ext cx="3600000" cy="2700000"/>
+          </a:xfrm>
+          <a:prstGeom prst="rect">
+            <a:avLst/>
+          </a:prstGeom>
+        </p:spPr>
+      </p:pic>
+      <p:sp>
+        <p:nvSpPr>
+          <p:cNvPr id="6" name="TextBox 5"/>
+          <p:cNvSpPr txBox="1"/>
+          <p:nvPr/>
+        </p:nvSpPr>
+        <p:spPr>
+          <a:xfrm>
+            <a:off x="179512" y="150809"/>
+            <a:ext cx="5688632" cy="369332"/>
+          </a:xfrm>
+          <a:prstGeom prst="rect">
+            <a:avLst/>
+          </a:prstGeom>
+          <a:noFill/>
+        </p:spPr>
+        <p:txBody>
+          <a:bodyPr wrap="square" rtlCol="0">
+            <a:spAutoFit/>
+          </a:bodyPr>
+          <a:lstStyle/>
+          <a:p>
+            <a:pPr marL="285750" indent="-285750">
+              <a:buFont typeface="Wingdings" panose="05000000000000000000" pitchFamily="2" charset="2"/>
+              <a:buChar char="Ø"/>
+            </a:pPr>
+            <a:r>
+              <a:rPr lang="en-US" altLang="ko-KR" b="1" dirty="0">
+                <a:latin typeface="Times New Roman" panose="02020603050405020304" pitchFamily="18" charset="0"/>
+                <a:cs typeface="Times New Roman" panose="02020603050405020304" pitchFamily="18" charset="0"/>
+              </a:rPr>
+              <a:t>Stopwatch primary block </a:t>
+            </a:r>
+            <a:r>
+              <a:rPr lang="en-US" altLang="ko-KR" b="1" dirty="0" smtClean="0">
+                <a:latin typeface="Times New Roman" panose="02020603050405020304" pitchFamily="18" charset="0"/>
+                <a:cs typeface="Times New Roman" panose="02020603050405020304" pitchFamily="18" charset="0"/>
+              </a:rPr>
+              <a:t>Result</a:t>
+            </a:r>
+            <a:endParaRPr lang="en-US" altLang="ko-KR" b="1" dirty="0" smtClean="0">
+              <a:latin typeface="Times New Roman" panose="02020603050405020304" pitchFamily="18" charset="0"/>
+              <a:cs typeface="Times New Roman" panose="02020603050405020304" pitchFamily="18" charset="0"/>
+            </a:endParaRPr>
+          </a:p>
+        </p:txBody>
+      </p:sp>
+    </p:spTree>
+    <p:extLst>
+      <p:ext uri="{BB962C8B-B14F-4D97-AF65-F5344CB8AC3E}">
+        <p14:creationId xmlns:p14="http://schemas.microsoft.com/office/powerpoint/2010/main" val="84482724"/>
+      </p:ext>
+    </p:extLst>
+  </p:cSld>
+  <p:clrMapOvr>
+    <a:masterClrMapping/>
+  </p:clrMapOvr>
+</p:sld>
+</file>
+
+<file path=ppt/slides/slide18.xml><?xml version="1.0" encoding="utf-8"?>
 <p:sld xmlns:a="http://schemas.openxmlformats.org/drawingml/2006/main" xmlns:r="http://schemas.openxmlformats.org/officeDocument/2006/relationships" xmlns:p="http://schemas.openxmlformats.org/presentationml/2006/main">
   <p:cSld>
     <p:spTree>
@@ -4655,7 +4935,7 @@
         <p:spPr>
           <a:xfrm>
             <a:off x="251520" y="280121"/>
-            <a:ext cx="3744416" cy="369332"/>
+            <a:ext cx="3744416" cy="646331"/>
           </a:xfrm>
           <a:prstGeom prst="rect">
             <a:avLst/>
@@ -4673,25 +4953,11 @@
               <a:buChar char="Ø"/>
             </a:pPr>
             <a:r>
-              <a:rPr lang="ko-KR" altLang="en-US" b="1" dirty="0" smtClean="0">
+              <a:rPr lang="en-US" altLang="ko-KR" b="1" dirty="0">
                 <a:latin typeface="Times New Roman" panose="02020603050405020304" pitchFamily="18" charset="0"/>
                 <a:cs typeface="Times New Roman" panose="02020603050405020304" pitchFamily="18" charset="0"/>
               </a:rPr>
-              <a:t>스톱워치 </a:t>
-            </a:r>
-            <a:r>
-              <a:rPr lang="en-US" altLang="ko-KR" b="1" dirty="0" smtClean="0">
-                <a:latin typeface="Times New Roman" panose="02020603050405020304" pitchFamily="18" charset="0"/>
-                <a:cs typeface="Times New Roman" panose="02020603050405020304" pitchFamily="18" charset="0"/>
-              </a:rPr>
-              <a:t>2</a:t>
-            </a:r>
-            <a:r>
-              <a:rPr lang="ko-KR" altLang="en-US" b="1" dirty="0" smtClean="0">
-                <a:latin typeface="Times New Roman" panose="02020603050405020304" pitchFamily="18" charset="0"/>
-                <a:cs typeface="Times New Roman" panose="02020603050405020304" pitchFamily="18" charset="0"/>
-              </a:rPr>
-              <a:t>차 블록 회로도</a:t>
+              <a:t>Stopwatch Secondary Block Schematic</a:t>
             </a:r>
             <a:endParaRPr lang="en-US" altLang="ko-KR" b="1" dirty="0" smtClean="0">
               <a:latin typeface="Times New Roman" panose="02020603050405020304" pitchFamily="18" charset="0"/>
@@ -4829,8 +5095,8 @@
           <a:lstStyle/>
           <a:p>
             <a:r>
-              <a:rPr lang="ko-KR" altLang="en-US" dirty="0" smtClean="0"/>
-              <a:t>스위치 포트</a:t>
+              <a:rPr lang="en-US" altLang="ko-KR" dirty="0" smtClean="0"/>
+              <a:t>Switch port</a:t>
             </a:r>
             <a:endParaRPr lang="ko-KR" altLang="en-US" dirty="0"/>
           </a:p>
@@ -4968,7 +5234,7 @@
 </p:sld>
 </file>
 
-<file path=ppt/slides/slide17.xml><?xml version="1.0" encoding="utf-8"?>
+<file path=ppt/slides/slide19.xml><?xml version="1.0" encoding="utf-8"?>
 <p:sld xmlns:a="http://schemas.openxmlformats.org/drawingml/2006/main" xmlns:r="http://schemas.openxmlformats.org/officeDocument/2006/relationships" xmlns:p="http://schemas.openxmlformats.org/presentationml/2006/main">
   <p:cSld>
     <p:spTree>
@@ -5048,7 +5314,7 @@
         <p:spPr>
           <a:xfrm>
             <a:off x="251520" y="280121"/>
-            <a:ext cx="3744416" cy="369332"/>
+            <a:ext cx="3744416" cy="646331"/>
           </a:xfrm>
           <a:prstGeom prst="rect">
             <a:avLst/>
@@ -5066,34 +5332,20 @@
               <a:buChar char="Ø"/>
             </a:pPr>
             <a:r>
-              <a:rPr lang="ko-KR" altLang="en-US" b="1" dirty="0" smtClean="0">
+              <a:rPr lang="en-US" altLang="ko-KR" b="1" dirty="0">
                 <a:latin typeface="Times New Roman" panose="02020603050405020304" pitchFamily="18" charset="0"/>
                 <a:cs typeface="Times New Roman" panose="02020603050405020304" pitchFamily="18" charset="0"/>
               </a:rPr>
-              <a:t>스톱워치 </a:t>
+              <a:t>Stopwatch Secondary Block </a:t>
             </a:r>
             <a:r>
               <a:rPr lang="en-US" altLang="ko-KR" b="1" dirty="0" smtClean="0">
                 <a:latin typeface="Times New Roman" panose="02020603050405020304" pitchFamily="18" charset="0"/>
                 <a:cs typeface="Times New Roman" panose="02020603050405020304" pitchFamily="18" charset="0"/>
               </a:rPr>
-              <a:t>2</a:t>
-            </a:r>
-            <a:r>
-              <a:rPr lang="ko-KR" altLang="en-US" b="1" dirty="0" smtClean="0">
-                <a:latin typeface="Times New Roman" panose="02020603050405020304" pitchFamily="18" charset="0"/>
-                <a:cs typeface="Times New Roman" panose="02020603050405020304" pitchFamily="18" charset="0"/>
-              </a:rPr>
-              <a:t>차 </a:t>
-            </a:r>
-            <a:r>
-              <a:rPr lang="ko-KR" altLang="en-US" b="1" dirty="0" err="1" smtClean="0">
-                <a:latin typeface="Times New Roman" panose="02020603050405020304" pitchFamily="18" charset="0"/>
-                <a:cs typeface="Times New Roman" panose="02020603050405020304" pitchFamily="18" charset="0"/>
-              </a:rPr>
-              <a:t>핀포팅</a:t>
-            </a:r>
-            <a:endParaRPr lang="en-US" altLang="ko-KR" b="1" dirty="0" smtClean="0">
+              <a:t>Port Mapping</a:t>
+            </a:r>
+            <a:endParaRPr lang="en-US" altLang="ko-KR" b="1" dirty="0">
               <a:latin typeface="Times New Roman" panose="02020603050405020304" pitchFamily="18" charset="0"/>
               <a:cs typeface="Times New Roman" panose="02020603050405020304" pitchFamily="18" charset="0"/>
             </a:endParaRPr>
@@ -5147,10 +5399,16 @@
           <a:p>
             <a:pPr algn="l"/>
             <a:r>
-              <a:rPr lang="en-US" altLang="ko-KR" dirty="0" smtClean="0"/>
+              <a:rPr lang="en-US" altLang="ko-KR" dirty="0" smtClean="0">
+                <a:latin typeface="Times New Roman" panose="02020603050405020304" pitchFamily="18" charset="0"/>
+                <a:cs typeface="Times New Roman" panose="02020603050405020304" pitchFamily="18" charset="0"/>
+              </a:rPr>
               <a:t>Aim</a:t>
             </a:r>
-            <a:endParaRPr lang="ko-KR" altLang="en-US" dirty="0"/>
+            <a:endParaRPr lang="ko-KR" altLang="en-US" dirty="0">
+              <a:latin typeface="Times New Roman" panose="02020603050405020304" pitchFamily="18" charset="0"/>
+              <a:cs typeface="Times New Roman" panose="02020603050405020304" pitchFamily="18" charset="0"/>
+            </a:endParaRPr>
           </a:p>
         </p:txBody>
       </p:sp>
@@ -5166,58 +5424,40 @@
         </p:nvSpPr>
         <p:spPr/>
         <p:txBody>
-          <a:bodyPr/>
-          <a:lstStyle/>
-          <a:p>
-            <a:r>
-              <a:rPr lang="en-US" altLang="ko-KR" dirty="0" smtClean="0"/>
-              <a:t>FPGA</a:t>
-            </a:r>
-            <a:r>
-              <a:rPr lang="ko-KR" altLang="en-US" dirty="0" smtClean="0"/>
-              <a:t>를 활용해 스톱워치 카운터를 제작한다</a:t>
-            </a:r>
-            <a:r>
-              <a:rPr lang="en-US" altLang="ko-KR" dirty="0" smtClean="0"/>
-              <a:t>.</a:t>
-            </a:r>
-          </a:p>
-          <a:p>
-            <a:r>
-              <a:rPr lang="en-US" altLang="ko-KR" dirty="0" smtClean="0"/>
-              <a:t>DE2 </a:t>
-            </a:r>
-            <a:r>
-              <a:rPr lang="ko-KR" altLang="en-US" dirty="0" smtClean="0"/>
-              <a:t>보드의 내부 </a:t>
-            </a:r>
-            <a:r>
-              <a:rPr lang="ko-KR" altLang="en-US" dirty="0" err="1" smtClean="0"/>
-              <a:t>클럭을</a:t>
-            </a:r>
-            <a:r>
-              <a:rPr lang="ko-KR" altLang="en-US" dirty="0" smtClean="0"/>
-              <a:t> 이용해 주파수 분주카운터를 제작한 후 결과를 확인한다</a:t>
-            </a:r>
-            <a:r>
-              <a:rPr lang="en-US" altLang="ko-KR" dirty="0" smtClean="0"/>
-              <a:t>.</a:t>
-            </a:r>
-          </a:p>
-          <a:p>
-            <a:r>
-              <a:rPr lang="en-US" altLang="ko-KR" dirty="0" smtClean="0"/>
-              <a:t>1</a:t>
-            </a:r>
-            <a:r>
-              <a:rPr lang="ko-KR" altLang="en-US" dirty="0" smtClean="0"/>
-              <a:t>초마다 증가하는 카운터를 제작한다</a:t>
-            </a:r>
-            <a:r>
-              <a:rPr lang="en-US" altLang="ko-KR" dirty="0" smtClean="0"/>
-              <a:t>.</a:t>
-            </a:r>
-            <a:endParaRPr lang="ko-KR" altLang="en-US" dirty="0"/>
+          <a:bodyPr>
+            <a:normAutofit/>
+          </a:bodyPr>
+          <a:lstStyle/>
+          <a:p>
+            <a:r>
+              <a:rPr lang="en-US" altLang="ko-KR" sz="2800" dirty="0">
+                <a:latin typeface="Times New Roman" panose="02020603050405020304" pitchFamily="18" charset="0"/>
+                <a:cs typeface="Times New Roman" panose="02020603050405020304" pitchFamily="18" charset="0"/>
+              </a:rPr>
+              <a:t>Use the FPGA to create a stopwatch counter.</a:t>
+            </a:r>
+          </a:p>
+          <a:p>
+            <a:r>
+              <a:rPr lang="en-US" altLang="ko-KR" sz="2800" dirty="0">
+                <a:latin typeface="Times New Roman" panose="02020603050405020304" pitchFamily="18" charset="0"/>
+                <a:cs typeface="Times New Roman" panose="02020603050405020304" pitchFamily="18" charset="0"/>
+              </a:rPr>
+              <a:t>Use the internal clock of the DE2 board to create a frequency divider counter and check the result.</a:t>
+            </a:r>
+          </a:p>
+          <a:p>
+            <a:r>
+              <a:rPr lang="en-US" altLang="ko-KR" sz="2800" dirty="0">
+                <a:latin typeface="Times New Roman" panose="02020603050405020304" pitchFamily="18" charset="0"/>
+                <a:cs typeface="Times New Roman" panose="02020603050405020304" pitchFamily="18" charset="0"/>
+              </a:rPr>
+              <a:t>Create a counter that increments every second..</a:t>
+            </a:r>
+            <a:endParaRPr lang="ko-KR" altLang="en-US" sz="2800" dirty="0">
+              <a:latin typeface="Times New Roman" panose="02020603050405020304" pitchFamily="18" charset="0"/>
+              <a:cs typeface="Times New Roman" panose="02020603050405020304" pitchFamily="18" charset="0"/>
+            </a:endParaRPr>
           </a:p>
         </p:txBody>
       </p:sp>
@@ -5225,6 +5465,294 @@
     <p:extLst>
       <p:ext uri="{BB962C8B-B14F-4D97-AF65-F5344CB8AC3E}">
         <p14:creationId xmlns:p14="http://schemas.microsoft.com/office/powerpoint/2010/main" val="3567240496"/>
+      </p:ext>
+    </p:extLst>
+  </p:cSld>
+  <p:clrMapOvr>
+    <a:masterClrMapping/>
+  </p:clrMapOvr>
+</p:sld>
+</file>
+
+<file path=ppt/slides/slide20.xml><?xml version="1.0" encoding="utf-8"?>
+<p:sld xmlns:a="http://schemas.openxmlformats.org/drawingml/2006/main" xmlns:r="http://schemas.openxmlformats.org/officeDocument/2006/relationships" xmlns:p="http://schemas.openxmlformats.org/presentationml/2006/main">
+  <p:cSld>
+    <p:spTree>
+      <p:nvGrpSpPr>
+        <p:cNvPr id="1" name=""/>
+        <p:cNvGrpSpPr/>
+        <p:nvPr/>
+      </p:nvGrpSpPr>
+      <p:grpSpPr>
+        <a:xfrm>
+          <a:off x="0" y="0"/>
+          <a:ext cx="0" cy="0"/>
+          <a:chOff x="0" y="0"/>
+          <a:chExt cx="0" cy="0"/>
+        </a:xfrm>
+      </p:grpSpPr>
+      <p:pic>
+        <p:nvPicPr>
+          <p:cNvPr id="2" name="그림 1"/>
+          <p:cNvPicPr>
+            <a:picLocks noChangeAspect="1"/>
+          </p:cNvPicPr>
+          <p:nvPr/>
+        </p:nvPicPr>
+        <p:blipFill>
+          <a:blip r:embed="rId2" cstate="print">
+            <a:extLst>
+              <a:ext uri="{28A0092B-C50C-407E-A947-70E740481C1C}">
+                <a14:useLocalDpi xmlns:a14="http://schemas.microsoft.com/office/drawing/2010/main" val="0"/>
+              </a:ext>
+            </a:extLst>
+          </a:blip>
+          <a:stretch>
+            <a:fillRect/>
+          </a:stretch>
+        </p:blipFill>
+        <p:spPr>
+          <a:xfrm>
+            <a:off x="3995936" y="1073274"/>
+            <a:ext cx="4543350" cy="3407513"/>
+          </a:xfrm>
+          <a:prstGeom prst="rect">
+            <a:avLst/>
+          </a:prstGeom>
+        </p:spPr>
+      </p:pic>
+      <p:pic>
+        <p:nvPicPr>
+          <p:cNvPr id="3" name="그림 2"/>
+          <p:cNvPicPr>
+            <a:picLocks noChangeAspect="1"/>
+          </p:cNvPicPr>
+          <p:nvPr/>
+        </p:nvPicPr>
+        <p:blipFill>
+          <a:blip r:embed="rId3" cstate="print">
+            <a:extLst>
+              <a:ext uri="{28A0092B-C50C-407E-A947-70E740481C1C}">
+                <a14:useLocalDpi xmlns:a14="http://schemas.microsoft.com/office/drawing/2010/main" val="0"/>
+              </a:ext>
+            </a:extLst>
+          </a:blip>
+          <a:stretch>
+            <a:fillRect/>
+          </a:stretch>
+        </p:blipFill>
+        <p:spPr>
+          <a:xfrm>
+            <a:off x="539552" y="1073274"/>
+            <a:ext cx="3140968" cy="2355726"/>
+          </a:xfrm>
+          <a:prstGeom prst="rect">
+            <a:avLst/>
+          </a:prstGeom>
+        </p:spPr>
+      </p:pic>
+      <p:cxnSp>
+        <p:nvCxnSpPr>
+          <p:cNvPr id="5" name="꺾인 연결선 4"/>
+          <p:cNvCxnSpPr/>
+          <p:nvPr/>
+        </p:nvCxnSpPr>
+        <p:spPr>
+          <a:xfrm>
+            <a:off x="1815982" y="2777030"/>
+            <a:ext cx="4359907" cy="1703757"/>
+          </a:xfrm>
+          <a:prstGeom prst="bentConnector4">
+            <a:avLst>
+              <a:gd name="adj1" fmla="val -606"/>
+              <a:gd name="adj2" fmla="val 113417"/>
+            </a:avLst>
+          </a:prstGeom>
+          <a:ln w="38100">
+            <a:solidFill>
+              <a:srgbClr val="FF0000"/>
+            </a:solidFill>
+            <a:tailEnd type="triangle"/>
+          </a:ln>
+        </p:spPr>
+        <p:style>
+          <a:lnRef idx="1">
+            <a:schemeClr val="accent1"/>
+          </a:lnRef>
+          <a:fillRef idx="0">
+            <a:schemeClr val="accent1"/>
+          </a:fillRef>
+          <a:effectRef idx="0">
+            <a:schemeClr val="accent1"/>
+          </a:effectRef>
+          <a:fontRef idx="minor">
+            <a:schemeClr val="tx1"/>
+          </a:fontRef>
+        </p:style>
+      </p:cxnSp>
+      <p:sp>
+        <p:nvSpPr>
+          <p:cNvPr id="7" name="TextBox 6"/>
+          <p:cNvSpPr txBox="1"/>
+          <p:nvPr/>
+        </p:nvSpPr>
+        <p:spPr>
+          <a:xfrm>
+            <a:off x="2339752" y="4972692"/>
+            <a:ext cx="4248472" cy="1200329"/>
+          </a:xfrm>
+          <a:prstGeom prst="rect">
+            <a:avLst/>
+          </a:prstGeom>
+          <a:noFill/>
+        </p:spPr>
+        <p:txBody>
+          <a:bodyPr wrap="square" rtlCol="0">
+            <a:spAutoFit/>
+          </a:bodyPr>
+          <a:lstStyle/>
+          <a:p>
+            <a:r>
+              <a:rPr lang="en-US" altLang="ko-KR" dirty="0">
+                <a:latin typeface="Times New Roman" panose="02020603050405020304" pitchFamily="18" charset="0"/>
+                <a:cs typeface="Times New Roman" panose="02020603050405020304" pitchFamily="18" charset="0"/>
+              </a:rPr>
+              <a:t>If 0-9 is counted, the decimal segment is additionally marked</a:t>
+            </a:r>
+          </a:p>
+          <a:p>
+            <a:r>
+              <a:rPr lang="en-US" altLang="ko-KR" dirty="0">
+                <a:latin typeface="Times New Roman" panose="02020603050405020304" pitchFamily="18" charset="0"/>
+                <a:cs typeface="Times New Roman" panose="02020603050405020304" pitchFamily="18" charset="0"/>
+              </a:rPr>
+              <a:t>Therefore, a two-digit decimal stopwatch display was possible.</a:t>
+            </a:r>
+            <a:endParaRPr lang="ko-KR" altLang="en-US" dirty="0">
+              <a:latin typeface="Times New Roman" panose="02020603050405020304" pitchFamily="18" charset="0"/>
+              <a:cs typeface="Times New Roman" panose="02020603050405020304" pitchFamily="18" charset="0"/>
+            </a:endParaRPr>
+          </a:p>
+        </p:txBody>
+      </p:sp>
+      <p:sp>
+        <p:nvSpPr>
+          <p:cNvPr id="9" name="TextBox 8"/>
+          <p:cNvSpPr txBox="1"/>
+          <p:nvPr/>
+        </p:nvSpPr>
+        <p:spPr>
+          <a:xfrm>
+            <a:off x="179512" y="150809"/>
+            <a:ext cx="5688632" cy="369332"/>
+          </a:xfrm>
+          <a:prstGeom prst="rect">
+            <a:avLst/>
+          </a:prstGeom>
+          <a:noFill/>
+        </p:spPr>
+        <p:txBody>
+          <a:bodyPr wrap="square" rtlCol="0">
+            <a:spAutoFit/>
+          </a:bodyPr>
+          <a:lstStyle/>
+          <a:p>
+            <a:pPr marL="285750" indent="-285750">
+              <a:buFont typeface="Wingdings" panose="05000000000000000000" pitchFamily="2" charset="2"/>
+              <a:buChar char="Ø"/>
+            </a:pPr>
+            <a:r>
+              <a:rPr lang="en-US" altLang="ko-KR" b="1" dirty="0">
+                <a:latin typeface="Times New Roman" panose="02020603050405020304" pitchFamily="18" charset="0"/>
+                <a:cs typeface="Times New Roman" panose="02020603050405020304" pitchFamily="18" charset="0"/>
+              </a:rPr>
+              <a:t>Result </a:t>
+            </a:r>
+            <a:r>
+              <a:rPr lang="en-US" altLang="ko-KR" b="1" dirty="0" smtClean="0">
+                <a:latin typeface="Times New Roman" panose="02020603050405020304" pitchFamily="18" charset="0"/>
+                <a:cs typeface="Times New Roman" panose="02020603050405020304" pitchFamily="18" charset="0"/>
+              </a:rPr>
+              <a:t> of Stopwatch secondary block</a:t>
+            </a:r>
+            <a:endParaRPr lang="en-US" altLang="ko-KR" b="1" dirty="0" smtClean="0">
+              <a:latin typeface="Times New Roman" panose="02020603050405020304" pitchFamily="18" charset="0"/>
+              <a:cs typeface="Times New Roman" panose="02020603050405020304" pitchFamily="18" charset="0"/>
+            </a:endParaRPr>
+          </a:p>
+        </p:txBody>
+      </p:sp>
+    </p:spTree>
+    <p:extLst>
+      <p:ext uri="{BB962C8B-B14F-4D97-AF65-F5344CB8AC3E}">
+        <p14:creationId xmlns:p14="http://schemas.microsoft.com/office/powerpoint/2010/main" val="995750191"/>
+      </p:ext>
+    </p:extLst>
+  </p:cSld>
+  <p:clrMapOvr>
+    <a:masterClrMapping/>
+  </p:clrMapOvr>
+</p:sld>
+</file>
+
+<file path=ppt/slides/slide21.xml><?xml version="1.0" encoding="utf-8"?>
+<p:sld xmlns:a="http://schemas.openxmlformats.org/drawingml/2006/main" xmlns:r="http://schemas.openxmlformats.org/officeDocument/2006/relationships" xmlns:p="http://schemas.openxmlformats.org/presentationml/2006/main">
+  <p:cSld>
+    <p:spTree>
+      <p:nvGrpSpPr>
+        <p:cNvPr id="1" name=""/>
+        <p:cNvGrpSpPr/>
+        <p:nvPr/>
+      </p:nvGrpSpPr>
+      <p:grpSpPr>
+        <a:xfrm>
+          <a:off x="0" y="0"/>
+          <a:ext cx="0" cy="0"/>
+          <a:chOff x="0" y="0"/>
+          <a:chExt cx="0" cy="0"/>
+        </a:xfrm>
+      </p:grpSpPr>
+      <p:sp>
+        <p:nvSpPr>
+          <p:cNvPr id="2" name="TextBox 1"/>
+          <p:cNvSpPr txBox="1"/>
+          <p:nvPr/>
+        </p:nvSpPr>
+        <p:spPr>
+          <a:xfrm>
+            <a:off x="2195736" y="3212976"/>
+            <a:ext cx="4392488" cy="461665"/>
+          </a:xfrm>
+          <a:prstGeom prst="rect">
+            <a:avLst/>
+          </a:prstGeom>
+          <a:noFill/>
+        </p:spPr>
+        <p:txBody>
+          <a:bodyPr wrap="square" rtlCol="0">
+            <a:spAutoFit/>
+          </a:bodyPr>
+          <a:lstStyle/>
+          <a:p>
+            <a:pPr algn="ctr"/>
+            <a:r>
+              <a:rPr lang="en-US" altLang="ko-KR" sz="2400" dirty="0" smtClean="0">
+                <a:latin typeface="Times New Roman" panose="02020603050405020304" pitchFamily="18" charset="0"/>
+                <a:cs typeface="Times New Roman" panose="02020603050405020304" pitchFamily="18" charset="0"/>
+              </a:rPr>
+              <a:t>Thank you</a:t>
+            </a:r>
+            <a:endParaRPr lang="ko-KR" altLang="en-US" sz="2400" dirty="0">
+              <a:latin typeface="Times New Roman" panose="02020603050405020304" pitchFamily="18" charset="0"/>
+              <a:cs typeface="Times New Roman" panose="02020603050405020304" pitchFamily="18" charset="0"/>
+            </a:endParaRPr>
+          </a:p>
+        </p:txBody>
+      </p:sp>
+    </p:spTree>
+    <p:extLst>
+      <p:ext uri="{BB962C8B-B14F-4D97-AF65-F5344CB8AC3E}">
+        <p14:creationId xmlns:p14="http://schemas.microsoft.com/office/powerpoint/2010/main" val="1786807309"/>
       </p:ext>
     </p:extLst>
   </p:cSld>
@@ -6084,92 +6612,43 @@
           <a:lstStyle/>
           <a:p>
             <a:r>
-              <a:rPr lang="ko-KR" altLang="en-US" dirty="0" smtClean="0">
+              <a:rPr lang="en-US" altLang="ko-KR" b="1" dirty="0" smtClean="0">
                 <a:latin typeface="Times New Roman" panose="02020603050405020304" pitchFamily="18" charset="0"/>
                 <a:cs typeface="Times New Roman" panose="02020603050405020304" pitchFamily="18" charset="0"/>
               </a:rPr>
-              <a:t>설정한 </a:t>
-            </a:r>
-            <a:r>
-              <a:rPr lang="en-US" altLang="ko-KR" dirty="0" err="1" smtClean="0">
+              <a:t>Place </a:t>
+            </a:r>
+            <a:r>
+              <a:rPr lang="en-US" altLang="ko-KR" b="1" dirty="0">
+                <a:latin typeface="Times New Roman" panose="02020603050405020304" pitchFamily="18" charset="0"/>
+                <a:cs typeface="Times New Roman" panose="02020603050405020304" pitchFamily="18" charset="0"/>
+              </a:rPr>
+              <a:t>the set </a:t>
+            </a:r>
+            <a:r>
+              <a:rPr lang="en-US" altLang="ko-KR" b="1" dirty="0" err="1">
                 <a:latin typeface="Times New Roman" panose="02020603050405020304" pitchFamily="18" charset="0"/>
                 <a:cs typeface="Times New Roman" panose="02020603050405020304" pitchFamily="18" charset="0"/>
               </a:rPr>
               <a:t>lpm</a:t>
             </a:r>
             <a:r>
-              <a:rPr lang="ko-KR" altLang="en-US" dirty="0" smtClean="0">
+              <a:rPr lang="en-US" altLang="ko-KR" b="1" dirty="0">
                 <a:latin typeface="Times New Roman" panose="02020603050405020304" pitchFamily="18" charset="0"/>
                 <a:cs typeface="Times New Roman" panose="02020603050405020304" pitchFamily="18" charset="0"/>
               </a:rPr>
-              <a:t>블록을 </a:t>
-            </a:r>
-            <a:r>
-              <a:rPr lang="ko-KR" altLang="en-US" dirty="0" err="1" smtClean="0">
+              <a:t> block on the sketch.</a:t>
+            </a:r>
+          </a:p>
+          <a:p>
+            <a:r>
+              <a:rPr lang="en-US" altLang="ko-KR" b="1" dirty="0">
                 <a:latin typeface="Times New Roman" panose="02020603050405020304" pitchFamily="18" charset="0"/>
                 <a:cs typeface="Times New Roman" panose="02020603050405020304" pitchFamily="18" charset="0"/>
               </a:rPr>
-              <a:t>스케마</a:t>
-            </a:r>
-            <a:r>
-              <a:rPr lang="ko-KR" altLang="en-US" dirty="0" smtClean="0">
-                <a:latin typeface="Times New Roman" panose="02020603050405020304" pitchFamily="18" charset="0"/>
-                <a:cs typeface="Times New Roman" panose="02020603050405020304" pitchFamily="18" charset="0"/>
-              </a:rPr>
-              <a:t> 위에 놓는다</a:t>
-            </a:r>
-            <a:r>
-              <a:rPr lang="en-US" altLang="ko-KR" dirty="0" smtClean="0">
-                <a:latin typeface="Times New Roman" panose="02020603050405020304" pitchFamily="18" charset="0"/>
-                <a:cs typeface="Times New Roman" panose="02020603050405020304" pitchFamily="18" charset="0"/>
-              </a:rPr>
-              <a:t>.</a:t>
-            </a:r>
-          </a:p>
-          <a:p>
-            <a:r>
-              <a:rPr lang="ko-KR" altLang="en-US" dirty="0" smtClean="0">
-                <a:latin typeface="Times New Roman" panose="02020603050405020304" pitchFamily="18" charset="0"/>
-                <a:cs typeface="Times New Roman" panose="02020603050405020304" pitchFamily="18" charset="0"/>
-              </a:rPr>
-              <a:t>우선 연습으로 </a:t>
-            </a:r>
-            <a:r>
-              <a:rPr lang="ko-KR" altLang="en-US" dirty="0" err="1" smtClean="0">
-                <a:latin typeface="Times New Roman" panose="02020603050405020304" pitchFamily="18" charset="0"/>
-                <a:cs typeface="Times New Roman" panose="02020603050405020304" pitchFamily="18" charset="0"/>
-              </a:rPr>
-              <a:t>레치</a:t>
-            </a:r>
-            <a:r>
-              <a:rPr lang="ko-KR" altLang="en-US" dirty="0" smtClean="0">
-                <a:latin typeface="Times New Roman" panose="02020603050405020304" pitchFamily="18" charset="0"/>
-                <a:cs typeface="Times New Roman" panose="02020603050405020304" pitchFamily="18" charset="0"/>
-              </a:rPr>
-              <a:t> 블록을 생성해 </a:t>
-            </a:r>
-            <a:r>
-              <a:rPr lang="ko-KR" altLang="en-US" dirty="0" err="1" smtClean="0">
-                <a:latin typeface="Times New Roman" panose="02020603050405020304" pitchFamily="18" charset="0"/>
-                <a:cs typeface="Times New Roman" panose="02020603050405020304" pitchFamily="18" charset="0"/>
-              </a:rPr>
-              <a:t>스케마에</a:t>
-            </a:r>
-            <a:r>
-              <a:rPr lang="ko-KR" altLang="en-US" dirty="0" smtClean="0">
-                <a:latin typeface="Times New Roman" panose="02020603050405020304" pitchFamily="18" charset="0"/>
-                <a:cs typeface="Times New Roman" panose="02020603050405020304" pitchFamily="18" charset="0"/>
-              </a:rPr>
-              <a:t> 올려놓았다</a:t>
-            </a:r>
-            <a:r>
-              <a:rPr lang="en-US" altLang="ko-KR" dirty="0" smtClean="0">
-                <a:latin typeface="Times New Roman" panose="02020603050405020304" pitchFamily="18" charset="0"/>
-                <a:cs typeface="Times New Roman" panose="02020603050405020304" pitchFamily="18" charset="0"/>
-              </a:rPr>
-              <a:t>.</a:t>
-            </a:r>
-            <a:endParaRPr lang="ko-KR" altLang="en-US" dirty="0">
+              <a:t>First of all, I created a try block by practice and put it on my sketch.</a:t>
+            </a:r>
+            <a:endParaRPr lang="ko-KR" altLang="en-US" b="1" dirty="0">
               <a:latin typeface="Times New Roman" panose="02020603050405020304" pitchFamily="18" charset="0"/>
               <a:cs typeface="Times New Roman" panose="02020603050405020304" pitchFamily="18" charset="0"/>
             </a:endParaRPr>
@@ -6447,7 +6926,7 @@
         <p:spPr>
           <a:xfrm>
             <a:off x="697004" y="5229200"/>
-            <a:ext cx="7763428" cy="369332"/>
+            <a:ext cx="7763428" cy="646331"/>
           </a:xfrm>
           <a:prstGeom prst="rect">
             <a:avLst/>
@@ -6460,19 +6939,19 @@
           </a:bodyPr>
           <a:lstStyle/>
           <a:p>
-            <a:r>
-              <a:rPr lang="ko-KR" altLang="en-US" dirty="0" smtClean="0">
-                <a:latin typeface="Times New Roman" panose="02020603050405020304" pitchFamily="18" charset="0"/>
-                <a:cs typeface="Times New Roman" panose="02020603050405020304" pitchFamily="18" charset="0"/>
-              </a:rPr>
-              <a:t>심볼을 생성한 뒤 블록의 속성으로 들어가면 설정된 정보를 확인할 수 있다</a:t>
-            </a:r>
             <a:r>
               <a:rPr lang="en-US" altLang="ko-KR" dirty="0" smtClean="0">
                 <a:latin typeface="Times New Roman" panose="02020603050405020304" pitchFamily="18" charset="0"/>
                 <a:cs typeface="Times New Roman" panose="02020603050405020304" pitchFamily="18" charset="0"/>
               </a:rPr>
-              <a:t>.</a:t>
+              <a:t>After </a:t>
+            </a:r>
+            <a:r>
+              <a:rPr lang="en-US" altLang="ko-KR" dirty="0">
+                <a:latin typeface="Times New Roman" panose="02020603050405020304" pitchFamily="18" charset="0"/>
+                <a:cs typeface="Times New Roman" panose="02020603050405020304" pitchFamily="18" charset="0"/>
+              </a:rPr>
+              <a:t>creating the symbol, you can see the set information by entering the attribute of the block.</a:t>
             </a:r>
             <a:endParaRPr lang="ko-KR" altLang="en-US" dirty="0">
               <a:latin typeface="Times New Roman" panose="02020603050405020304" pitchFamily="18" charset="0"/>
@@ -6574,7 +7053,7 @@
         <p:spPr>
           <a:xfrm>
             <a:off x="467544" y="445314"/>
-            <a:ext cx="3145929" cy="369332"/>
+            <a:ext cx="3145929" cy="646331"/>
           </a:xfrm>
           <a:prstGeom prst="rect">
             <a:avLst/>
@@ -6592,11 +7071,11 @@
               <a:buChar char="Ø"/>
             </a:pPr>
             <a:r>
-              <a:rPr lang="ko-KR" altLang="en-US" dirty="0" smtClean="0">
+              <a:rPr lang="en-US" altLang="ko-KR" dirty="0">
                 <a:latin typeface="Times New Roman" panose="02020603050405020304" pitchFamily="18" charset="0"/>
                 <a:cs typeface="Times New Roman" panose="02020603050405020304" pitchFamily="18" charset="0"/>
               </a:rPr>
-              <a:t>블록과 입력간 연결 </a:t>
+              <a:t>Connection between block and input</a:t>
             </a:r>
             <a:endParaRPr lang="ko-KR" altLang="en-US" dirty="0">
               <a:latin typeface="Times New Roman" panose="02020603050405020304" pitchFamily="18" charset="0"/>
